--- a/escrita/seminários/apresentação-template-ufv.pptx
+++ b/escrita/seminários/apresentação-template-ufv.pptx
@@ -7,10 +7,10 @@
     <p:sldMasterId id="2147483672" r:id="rId3"/>
   </p:sldMasterIdLst>
   <p:notesMasterIdLst>
-    <p:notesMasterId r:id="rId28"/>
+    <p:notesMasterId r:id="rId29"/>
   </p:notesMasterIdLst>
   <p:handoutMasterIdLst>
-    <p:handoutMasterId r:id="rId29"/>
+    <p:handoutMasterId r:id="rId30"/>
   </p:handoutMasterIdLst>
   <p:sldIdLst>
     <p:sldId id="263" r:id="rId4"/>
@@ -20,23 +20,24 @@
     <p:sldId id="269" r:id="rId8"/>
     <p:sldId id="270" r:id="rId9"/>
     <p:sldId id="271" r:id="rId10"/>
-    <p:sldId id="265" r:id="rId11"/>
-    <p:sldId id="272" r:id="rId12"/>
-    <p:sldId id="273" r:id="rId13"/>
-    <p:sldId id="274" r:id="rId14"/>
-    <p:sldId id="275" r:id="rId15"/>
-    <p:sldId id="276" r:id="rId16"/>
-    <p:sldId id="277" r:id="rId17"/>
-    <p:sldId id="278" r:id="rId18"/>
-    <p:sldId id="279" r:id="rId19"/>
-    <p:sldId id="280" r:id="rId20"/>
-    <p:sldId id="281" r:id="rId21"/>
-    <p:sldId id="282" r:id="rId22"/>
-    <p:sldId id="283" r:id="rId23"/>
-    <p:sldId id="284" r:id="rId24"/>
-    <p:sldId id="285" r:id="rId25"/>
-    <p:sldId id="286" r:id="rId26"/>
-    <p:sldId id="261" r:id="rId27"/>
+    <p:sldId id="287" r:id="rId11"/>
+    <p:sldId id="265" r:id="rId12"/>
+    <p:sldId id="272" r:id="rId13"/>
+    <p:sldId id="273" r:id="rId14"/>
+    <p:sldId id="274" r:id="rId15"/>
+    <p:sldId id="275" r:id="rId16"/>
+    <p:sldId id="276" r:id="rId17"/>
+    <p:sldId id="277" r:id="rId18"/>
+    <p:sldId id="278" r:id="rId19"/>
+    <p:sldId id="279" r:id="rId20"/>
+    <p:sldId id="280" r:id="rId21"/>
+    <p:sldId id="281" r:id="rId22"/>
+    <p:sldId id="282" r:id="rId23"/>
+    <p:sldId id="283" r:id="rId24"/>
+    <p:sldId id="284" r:id="rId25"/>
+    <p:sldId id="285" r:id="rId26"/>
+    <p:sldId id="286" r:id="rId27"/>
+    <p:sldId id="261" r:id="rId28"/>
   </p:sldIdLst>
   <p:sldSz cx="12192000" cy="6858000"/>
   <p:notesSz cx="6858000" cy="9144000"/>
@@ -151,6 +152,7 @@
             <p14:sldId id="269"/>
             <p14:sldId id="270"/>
             <p14:sldId id="271"/>
+            <p14:sldId id="287"/>
             <p14:sldId id="265"/>
             <p14:sldId id="272"/>
             <p14:sldId id="273"/>
@@ -630,7 +632,7 @@
           <a:p>
             <a:fld id="{A4BBE66B-F387-45F4-AE05-C2C040347865}" type="datetimeFigureOut">
               <a:rPr lang="pt-BR" smtClean="0"/>
-              <a:t>05/10/2022</a:t>
+              <a:t>09/10/2022</a:t>
             </a:fld>
             <a:endParaRPr lang="pt-BR"/>
           </a:p>
@@ -808,7 +810,7 @@
           <a:p>
             <a:fld id="{818B6593-5183-48C2-ACAD-748F681E8527}" type="datetimeFigureOut">
               <a:rPr lang="pt-BR" smtClean="0"/>
-              <a:t>05/10/2022</a:t>
+              <a:t>09/10/2022</a:t>
             </a:fld>
             <a:endParaRPr lang="pt-BR"/>
           </a:p>
@@ -5124,6 +5126,125 @@
           <p:cNvPr id="2" name="Título 1">
             <a:extLst>
               <a:ext uri="{FF2B5EF4-FFF2-40B4-BE49-F238E27FC236}">
+                <a16:creationId xmlns:a16="http://schemas.microsoft.com/office/drawing/2014/main" id="{C3ED4AFC-6951-0A36-B056-0E6C4DA839A0}"/>
+              </a:ext>
+            </a:extLst>
+          </p:cNvPr>
+          <p:cNvSpPr>
+            <a:spLocks noGrp="1"/>
+          </p:cNvSpPr>
+          <p:nvPr>
+            <p:ph type="title"/>
+          </p:nvPr>
+        </p:nvSpPr>
+        <p:spPr/>
+        <p:txBody>
+          <a:bodyPr/>
+          <a:lstStyle/>
+          <a:p>
+            <a:r>
+              <a:rPr lang="pt-BR" dirty="0"/>
+              <a:t>Motivação – Mineração de Dados</a:t>
+            </a:r>
+          </a:p>
+        </p:txBody>
+      </p:sp>
+      <p:sp>
+        <p:nvSpPr>
+          <p:cNvPr id="3" name="Espaço Reservado para Conteúdo 2">
+            <a:extLst>
+              <a:ext uri="{FF2B5EF4-FFF2-40B4-BE49-F238E27FC236}">
+                <a16:creationId xmlns:a16="http://schemas.microsoft.com/office/drawing/2014/main" id="{776ED0AC-B957-D223-7872-321CA7ECBDEE}"/>
+              </a:ext>
+            </a:extLst>
+          </p:cNvPr>
+          <p:cNvSpPr>
+            <a:spLocks noGrp="1"/>
+          </p:cNvSpPr>
+          <p:nvPr>
+            <p:ph idx="1"/>
+          </p:nvPr>
+        </p:nvSpPr>
+        <p:spPr/>
+        <p:txBody>
+          <a:bodyPr/>
+          <a:lstStyle/>
+          <a:p>
+            <a:endParaRPr lang="pt-BR"/>
+          </a:p>
+        </p:txBody>
+      </p:sp>
+      <p:pic>
+        <p:nvPicPr>
+          <p:cNvPr id="4" name="Espaço Reservado para Conteúdo 4" descr="Diagrama&#10;&#10;Descrição gerada automaticamente">
+            <a:extLst>
+              <a:ext uri="{FF2B5EF4-FFF2-40B4-BE49-F238E27FC236}">
+                <a16:creationId xmlns:a16="http://schemas.microsoft.com/office/drawing/2014/main" id="{122A44C6-50D3-64E4-6858-BE6DF011E9DD}"/>
+              </a:ext>
+            </a:extLst>
+          </p:cNvPr>
+          <p:cNvPicPr>
+            <a:picLocks noChangeAspect="1"/>
+          </p:cNvPicPr>
+          <p:nvPr/>
+        </p:nvPicPr>
+        <p:blipFill>
+          <a:blip r:embed="rId2">
+            <a:extLst>
+              <a:ext uri="{28A0092B-C50C-407E-A947-70E740481C1C}">
+                <a14:useLocalDpi xmlns:a14="http://schemas.microsoft.com/office/drawing/2010/main" val="0"/>
+              </a:ext>
+            </a:extLst>
+          </a:blip>
+          <a:stretch>
+            <a:fillRect/>
+          </a:stretch>
+        </p:blipFill>
+        <p:spPr>
+          <a:xfrm>
+            <a:off x="2844924" y="1451036"/>
+            <a:ext cx="6098449" cy="4725927"/>
+          </a:xfrm>
+          <a:prstGeom prst="rect">
+            <a:avLst/>
+          </a:prstGeom>
+        </p:spPr>
+      </p:pic>
+    </p:spTree>
+    <p:extLst>
+      <p:ext uri="{BB962C8B-B14F-4D97-AF65-F5344CB8AC3E}">
+        <p14:creationId xmlns:p14="http://schemas.microsoft.com/office/powerpoint/2010/main" val="3941781064"/>
+      </p:ext>
+    </p:extLst>
+  </p:cSld>
+  <p:clrMapOvr>
+    <a:masterClrMapping/>
+  </p:clrMapOvr>
+</p:sld>
+</file>
+
+<file path=ppt/slides/slide11.xml><?xml version="1.0" encoding="utf-8"?>
+<p:sld xmlns:a="http://schemas.openxmlformats.org/drawingml/2006/main" xmlns:r="http://schemas.openxmlformats.org/officeDocument/2006/relationships" xmlns:p="http://schemas.openxmlformats.org/presentationml/2006/main">
+  <p:cSld>
+    <p:spTree>
+      <p:nvGrpSpPr>
+        <p:cNvPr id="1" name=""/>
+        <p:cNvGrpSpPr/>
+        <p:nvPr/>
+      </p:nvGrpSpPr>
+      <p:grpSpPr>
+        <a:xfrm>
+          <a:off x="0" y="0"/>
+          <a:ext cx="0" cy="0"/>
+          <a:chOff x="0" y="0"/>
+          <a:chExt cx="0" cy="0"/>
+        </a:xfrm>
+      </p:grpSpPr>
+      <p:sp>
+        <p:nvSpPr>
+          <p:cNvPr id="2" name="Título 1">
+            <a:extLst>
+              <a:ext uri="{FF2B5EF4-FFF2-40B4-BE49-F238E27FC236}">
                 <a16:creationId xmlns:a16="http://schemas.microsoft.com/office/drawing/2014/main" id="{DA9BB413-1B9C-CD3B-8181-D31750178675}"/>
               </a:ext>
             </a:extLst>
@@ -5195,7 +5316,7 @@
 </p:sld>
 </file>
 
-<file path=ppt/slides/slide11.xml><?xml version="1.0" encoding="utf-8"?>
+<file path=ppt/slides/slide12.xml><?xml version="1.0" encoding="utf-8"?>
 <p:sld xmlns:a="http://schemas.openxmlformats.org/drawingml/2006/main" xmlns:r="http://schemas.openxmlformats.org/officeDocument/2006/relationships" xmlns:p="http://schemas.openxmlformats.org/presentationml/2006/main">
   <p:cSld>
     <p:spTree>
@@ -5325,7 +5446,7 @@
 </p:sld>
 </file>
 
-<file path=ppt/slides/slide12.xml><?xml version="1.0" encoding="utf-8"?>
+<file path=ppt/slides/slide13.xml><?xml version="1.0" encoding="utf-8"?>
 <p:sld xmlns:a="http://schemas.openxmlformats.org/drawingml/2006/main" xmlns:r="http://schemas.openxmlformats.org/officeDocument/2006/relationships" xmlns:p="http://schemas.openxmlformats.org/presentationml/2006/main">
   <p:cSld>
     <p:spTree>
@@ -5480,7 +5601,7 @@
 </p:sld>
 </file>
 
-<file path=ppt/slides/slide13.xml><?xml version="1.0" encoding="utf-8"?>
+<file path=ppt/slides/slide14.xml><?xml version="1.0" encoding="utf-8"?>
 <p:sld xmlns:a="http://schemas.openxmlformats.org/drawingml/2006/main" xmlns:r="http://schemas.openxmlformats.org/officeDocument/2006/relationships" xmlns:p="http://schemas.openxmlformats.org/presentationml/2006/main">
   <p:cSld>
     <p:spTree>
@@ -5635,7 +5756,7 @@
 </p:sld>
 </file>
 
-<file path=ppt/slides/slide14.xml><?xml version="1.0" encoding="utf-8"?>
+<file path=ppt/slides/slide15.xml><?xml version="1.0" encoding="utf-8"?>
 <p:sld xmlns:a="http://schemas.openxmlformats.org/drawingml/2006/main" xmlns:r="http://schemas.openxmlformats.org/officeDocument/2006/relationships" xmlns:p="http://schemas.openxmlformats.org/presentationml/2006/main">
   <p:cSld>
     <p:spTree>
@@ -5790,7 +5911,7 @@
 </p:sld>
 </file>
 
-<file path=ppt/slides/slide15.xml><?xml version="1.0" encoding="utf-8"?>
+<file path=ppt/slides/slide16.xml><?xml version="1.0" encoding="utf-8"?>
 <p:sld xmlns:a="http://schemas.openxmlformats.org/drawingml/2006/main" xmlns:r="http://schemas.openxmlformats.org/officeDocument/2006/relationships" xmlns:p="http://schemas.openxmlformats.org/presentationml/2006/main">
   <p:cSld>
     <p:spTree>
@@ -5945,7 +6066,7 @@
 </p:sld>
 </file>
 
-<file path=ppt/slides/slide16.xml><?xml version="1.0" encoding="utf-8"?>
+<file path=ppt/slides/slide17.xml><?xml version="1.0" encoding="utf-8"?>
 <p:sld xmlns:a="http://schemas.openxmlformats.org/drawingml/2006/main" xmlns:r="http://schemas.openxmlformats.org/officeDocument/2006/relationships" xmlns:p="http://schemas.openxmlformats.org/presentationml/2006/main">
   <p:cSld>
     <p:spTree>
@@ -6100,7 +6221,7 @@
 </p:sld>
 </file>
 
-<file path=ppt/slides/slide17.xml><?xml version="1.0" encoding="utf-8"?>
+<file path=ppt/slides/slide18.xml><?xml version="1.0" encoding="utf-8"?>
 <p:sld xmlns:a="http://schemas.openxmlformats.org/drawingml/2006/main" xmlns:r="http://schemas.openxmlformats.org/officeDocument/2006/relationships" xmlns:p="http://schemas.openxmlformats.org/presentationml/2006/main">
   <p:cSld>
     <p:spTree>
@@ -6219,99 +6340,6 @@
 </p:sld>
 </file>
 
-<file path=ppt/slides/slide18.xml><?xml version="1.0" encoding="utf-8"?>
-<p:sld xmlns:a="http://schemas.openxmlformats.org/drawingml/2006/main" xmlns:r="http://schemas.openxmlformats.org/officeDocument/2006/relationships" xmlns:p="http://schemas.openxmlformats.org/presentationml/2006/main">
-  <p:cSld>
-    <p:spTree>
-      <p:nvGrpSpPr>
-        <p:cNvPr id="1" name=""/>
-        <p:cNvGrpSpPr/>
-        <p:nvPr/>
-      </p:nvGrpSpPr>
-      <p:grpSpPr>
-        <a:xfrm>
-          <a:off x="0" y="0"/>
-          <a:ext cx="0" cy="0"/>
-          <a:chOff x="0" y="0"/>
-          <a:chExt cx="0" cy="0"/>
-        </a:xfrm>
-      </p:grpSpPr>
-      <p:sp>
-        <p:nvSpPr>
-          <p:cNvPr id="2" name="Título 1">
-            <a:extLst>
-              <a:ext uri="{FF2B5EF4-FFF2-40B4-BE49-F238E27FC236}">
-                <a16:creationId xmlns:a16="http://schemas.microsoft.com/office/drawing/2014/main" id="{E02BF2D1-CF23-9EEB-03F9-96342E193392}"/>
-              </a:ext>
-            </a:extLst>
-          </p:cNvPr>
-          <p:cNvSpPr>
-            <a:spLocks noGrp="1"/>
-          </p:cNvSpPr>
-          <p:nvPr>
-            <p:ph type="title"/>
-          </p:nvPr>
-        </p:nvSpPr>
-        <p:spPr/>
-        <p:txBody>
-          <a:bodyPr/>
-          <a:lstStyle/>
-          <a:p>
-            <a:r>
-              <a:rPr lang="pt-BR" dirty="0"/>
-              <a:t>Sistema de Inteligência Geográfica – Fluxo de telas</a:t>
-            </a:r>
-          </a:p>
-        </p:txBody>
-      </p:sp>
-      <p:pic>
-        <p:nvPicPr>
-          <p:cNvPr id="4" name="Espaço Reservado para Conteúdo 8" descr="Interface gráfica do usuário, Texto&#10;&#10;Descrição gerada automaticamente">
-            <a:extLst>
-              <a:ext uri="{FF2B5EF4-FFF2-40B4-BE49-F238E27FC236}">
-                <a16:creationId xmlns:a16="http://schemas.microsoft.com/office/drawing/2014/main" id="{C564EBA8-9513-97D7-DE4F-F7F73F08EF69}"/>
-              </a:ext>
-            </a:extLst>
-          </p:cNvPr>
-          <p:cNvPicPr>
-            <a:picLocks noGrp="1" noChangeAspect="1"/>
-          </p:cNvPicPr>
-          <p:nvPr>
-            <p:ph idx="1"/>
-          </p:nvPr>
-        </p:nvPicPr>
-        <p:blipFill>
-          <a:blip r:embed="rId2">
-            <a:extLst>
-              <a:ext uri="{28A0092B-C50C-407E-A947-70E740481C1C}">
-                <a14:useLocalDpi xmlns:a14="http://schemas.microsoft.com/office/drawing/2010/main" val="0"/>
-              </a:ext>
-            </a:extLst>
-          </a:blip>
-          <a:stretch>
-            <a:fillRect/>
-          </a:stretch>
-        </p:blipFill>
-        <p:spPr>
-          <a:xfrm>
-            <a:off x="1971674" y="2605881"/>
-            <a:ext cx="8724179" cy="2556669"/>
-          </a:xfrm>
-        </p:spPr>
-      </p:pic>
-    </p:spTree>
-    <p:extLst>
-      <p:ext uri="{BB962C8B-B14F-4D97-AF65-F5344CB8AC3E}">
-        <p14:creationId xmlns:p14="http://schemas.microsoft.com/office/powerpoint/2010/main" val="4175957173"/>
-      </p:ext>
-    </p:extLst>
-  </p:cSld>
-  <p:clrMapOvr>
-    <a:masterClrMapping/>
-  </p:clrMapOvr>
-</p:sld>
-</file>
-
 <file path=ppt/slides/slide19.xml><?xml version="1.0" encoding="utf-8"?>
 <p:sld xmlns:a="http://schemas.openxmlformats.org/drawingml/2006/main" xmlns:r="http://schemas.openxmlformats.org/officeDocument/2006/relationships" xmlns:p="http://schemas.openxmlformats.org/presentationml/2006/main">
   <p:cSld>
@@ -6334,7 +6362,7 @@
           <p:cNvPr id="2" name="Título 1">
             <a:extLst>
               <a:ext uri="{FF2B5EF4-FFF2-40B4-BE49-F238E27FC236}">
-                <a16:creationId xmlns:a16="http://schemas.microsoft.com/office/drawing/2014/main" id="{21EB7B95-BF8D-DB30-72C1-2CC9C3D5F26B}"/>
+                <a16:creationId xmlns:a16="http://schemas.microsoft.com/office/drawing/2014/main" id="{E02BF2D1-CF23-9EEB-03F9-96342E193392}"/>
               </a:ext>
             </a:extLst>
           </p:cNvPr>
@@ -6352,49 +6380,26 @@
           <a:p>
             <a:r>
               <a:rPr lang="pt-BR" dirty="0"/>
-              <a:t>Sistema de Inteligência Geográfica – (01)</a:t>
-            </a:r>
-          </a:p>
-        </p:txBody>
-      </p:sp>
-      <p:sp>
-        <p:nvSpPr>
-          <p:cNvPr id="3" name="Espaço Reservado para Conteúdo 2">
-            <a:extLst>
-              <a:ext uri="{FF2B5EF4-FFF2-40B4-BE49-F238E27FC236}">
-                <a16:creationId xmlns:a16="http://schemas.microsoft.com/office/drawing/2014/main" id="{E11517DB-73CC-FA9E-B62E-3BF648D80512}"/>
-              </a:ext>
-            </a:extLst>
-          </p:cNvPr>
-          <p:cNvSpPr>
-            <a:spLocks noGrp="1"/>
-          </p:cNvSpPr>
+              <a:t>Sistema de Inteligência Geográfica – Fluxo de telas</a:t>
+            </a:r>
+          </a:p>
+        </p:txBody>
+      </p:sp>
+      <p:pic>
+        <p:nvPicPr>
+          <p:cNvPr id="4" name="Espaço Reservado para Conteúdo 8" descr="Interface gráfica do usuário, Texto&#10;&#10;Descrição gerada automaticamente">
+            <a:extLst>
+              <a:ext uri="{FF2B5EF4-FFF2-40B4-BE49-F238E27FC236}">
+                <a16:creationId xmlns:a16="http://schemas.microsoft.com/office/drawing/2014/main" id="{C564EBA8-9513-97D7-DE4F-F7F73F08EF69}"/>
+              </a:ext>
+            </a:extLst>
+          </p:cNvPr>
+          <p:cNvPicPr>
+            <a:picLocks noGrp="1" noChangeAspect="1"/>
+          </p:cNvPicPr>
           <p:nvPr>
             <p:ph idx="1"/>
           </p:nvPr>
-        </p:nvSpPr>
-        <p:spPr/>
-        <p:txBody>
-          <a:bodyPr/>
-          <a:lstStyle/>
-          <a:p>
-            <a:endParaRPr lang="pt-BR"/>
-          </a:p>
-        </p:txBody>
-      </p:sp>
-      <p:pic>
-        <p:nvPicPr>
-          <p:cNvPr id="4" name="Espaço Reservado para Conteúdo 8" descr="Interface gráfica do usuário, Texto, Aplicativo&#10;&#10;Descrição gerada automaticamente">
-            <a:extLst>
-              <a:ext uri="{FF2B5EF4-FFF2-40B4-BE49-F238E27FC236}">
-                <a16:creationId xmlns:a16="http://schemas.microsoft.com/office/drawing/2014/main" id="{84238CBA-622F-2D58-D28C-7588A264F24E}"/>
-              </a:ext>
-            </a:extLst>
-          </p:cNvPr>
-          <p:cNvPicPr>
-            <a:picLocks noChangeAspect="1"/>
-          </p:cNvPicPr>
-          <p:nvPr/>
         </p:nvPicPr>
         <p:blipFill>
           <a:blip r:embed="rId2">
@@ -6410,18 +6415,15 @@
         </p:blipFill>
         <p:spPr>
           <a:xfrm>
-            <a:off x="4315813" y="3025285"/>
-            <a:ext cx="3560373" cy="1186791"/>
+            <a:off x="1971674" y="2605881"/>
+            <a:ext cx="8724179" cy="2556669"/>
           </a:xfrm>
-          <a:prstGeom prst="rect">
-            <a:avLst/>
-          </a:prstGeom>
         </p:spPr>
       </p:pic>
     </p:spTree>
     <p:extLst>
       <p:ext uri="{BB962C8B-B14F-4D97-AF65-F5344CB8AC3E}">
-        <p14:creationId xmlns:p14="http://schemas.microsoft.com/office/powerpoint/2010/main" val="4099437392"/>
+        <p14:creationId xmlns:p14="http://schemas.microsoft.com/office/powerpoint/2010/main" val="4175957173"/>
       </p:ext>
     </p:extLst>
   </p:cSld>
@@ -6557,6 +6559,125 @@
           <p:cNvPr id="2" name="Título 1">
             <a:extLst>
               <a:ext uri="{FF2B5EF4-FFF2-40B4-BE49-F238E27FC236}">
+                <a16:creationId xmlns:a16="http://schemas.microsoft.com/office/drawing/2014/main" id="{21EB7B95-BF8D-DB30-72C1-2CC9C3D5F26B}"/>
+              </a:ext>
+            </a:extLst>
+          </p:cNvPr>
+          <p:cNvSpPr>
+            <a:spLocks noGrp="1"/>
+          </p:cNvSpPr>
+          <p:nvPr>
+            <p:ph type="title"/>
+          </p:nvPr>
+        </p:nvSpPr>
+        <p:spPr/>
+        <p:txBody>
+          <a:bodyPr/>
+          <a:lstStyle/>
+          <a:p>
+            <a:r>
+              <a:rPr lang="pt-BR" dirty="0"/>
+              <a:t>Sistema de Inteligência Geográfica – (01)</a:t>
+            </a:r>
+          </a:p>
+        </p:txBody>
+      </p:sp>
+      <p:sp>
+        <p:nvSpPr>
+          <p:cNvPr id="3" name="Espaço Reservado para Conteúdo 2">
+            <a:extLst>
+              <a:ext uri="{FF2B5EF4-FFF2-40B4-BE49-F238E27FC236}">
+                <a16:creationId xmlns:a16="http://schemas.microsoft.com/office/drawing/2014/main" id="{E11517DB-73CC-FA9E-B62E-3BF648D80512}"/>
+              </a:ext>
+            </a:extLst>
+          </p:cNvPr>
+          <p:cNvSpPr>
+            <a:spLocks noGrp="1"/>
+          </p:cNvSpPr>
+          <p:nvPr>
+            <p:ph idx="1"/>
+          </p:nvPr>
+        </p:nvSpPr>
+        <p:spPr/>
+        <p:txBody>
+          <a:bodyPr/>
+          <a:lstStyle/>
+          <a:p>
+            <a:endParaRPr lang="pt-BR"/>
+          </a:p>
+        </p:txBody>
+      </p:sp>
+      <p:pic>
+        <p:nvPicPr>
+          <p:cNvPr id="4" name="Espaço Reservado para Conteúdo 8" descr="Interface gráfica do usuário, Texto, Aplicativo&#10;&#10;Descrição gerada automaticamente">
+            <a:extLst>
+              <a:ext uri="{FF2B5EF4-FFF2-40B4-BE49-F238E27FC236}">
+                <a16:creationId xmlns:a16="http://schemas.microsoft.com/office/drawing/2014/main" id="{84238CBA-622F-2D58-D28C-7588A264F24E}"/>
+              </a:ext>
+            </a:extLst>
+          </p:cNvPr>
+          <p:cNvPicPr>
+            <a:picLocks noChangeAspect="1"/>
+          </p:cNvPicPr>
+          <p:nvPr/>
+        </p:nvPicPr>
+        <p:blipFill>
+          <a:blip r:embed="rId2">
+            <a:extLst>
+              <a:ext uri="{28A0092B-C50C-407E-A947-70E740481C1C}">
+                <a14:useLocalDpi xmlns:a14="http://schemas.microsoft.com/office/drawing/2010/main" val="0"/>
+              </a:ext>
+            </a:extLst>
+          </a:blip>
+          <a:stretch>
+            <a:fillRect/>
+          </a:stretch>
+        </p:blipFill>
+        <p:spPr>
+          <a:xfrm>
+            <a:off x="4315813" y="3025285"/>
+            <a:ext cx="3560373" cy="1186791"/>
+          </a:xfrm>
+          <a:prstGeom prst="rect">
+            <a:avLst/>
+          </a:prstGeom>
+        </p:spPr>
+      </p:pic>
+    </p:spTree>
+    <p:extLst>
+      <p:ext uri="{BB962C8B-B14F-4D97-AF65-F5344CB8AC3E}">
+        <p14:creationId xmlns:p14="http://schemas.microsoft.com/office/powerpoint/2010/main" val="4099437392"/>
+      </p:ext>
+    </p:extLst>
+  </p:cSld>
+  <p:clrMapOvr>
+    <a:masterClrMapping/>
+  </p:clrMapOvr>
+</p:sld>
+</file>
+
+<file path=ppt/slides/slide21.xml><?xml version="1.0" encoding="utf-8"?>
+<p:sld xmlns:a="http://schemas.openxmlformats.org/drawingml/2006/main" xmlns:r="http://schemas.openxmlformats.org/officeDocument/2006/relationships" xmlns:p="http://schemas.openxmlformats.org/presentationml/2006/main">
+  <p:cSld>
+    <p:spTree>
+      <p:nvGrpSpPr>
+        <p:cNvPr id="1" name=""/>
+        <p:cNvGrpSpPr/>
+        <p:nvPr/>
+      </p:nvGrpSpPr>
+      <p:grpSpPr>
+        <a:xfrm>
+          <a:off x="0" y="0"/>
+          <a:ext cx="0" cy="0"/>
+          <a:chOff x="0" y="0"/>
+          <a:chExt cx="0" cy="0"/>
+        </a:xfrm>
+      </p:grpSpPr>
+      <p:sp>
+        <p:nvSpPr>
+          <p:cNvPr id="2" name="Título 1">
+            <a:extLst>
+              <a:ext uri="{FF2B5EF4-FFF2-40B4-BE49-F238E27FC236}">
                 <a16:creationId xmlns:a16="http://schemas.microsoft.com/office/drawing/2014/main" id="{CBE8A753-F8BE-5B25-7A84-AEB051E4E6E7}"/>
               </a:ext>
             </a:extLst>
@@ -6654,7 +6775,7 @@
 </p:sld>
 </file>
 
-<file path=ppt/slides/slide21.xml><?xml version="1.0" encoding="utf-8"?>
+<file path=ppt/slides/slide22.xml><?xml version="1.0" encoding="utf-8"?>
 <p:sld xmlns:a="http://schemas.openxmlformats.org/drawingml/2006/main" xmlns:r="http://schemas.openxmlformats.org/officeDocument/2006/relationships" xmlns:p="http://schemas.openxmlformats.org/presentationml/2006/main">
   <p:cSld>
     <p:spTree>
@@ -6770,7 +6891,7 @@
 </p:sld>
 </file>
 
-<file path=ppt/slides/slide22.xml><?xml version="1.0" encoding="utf-8"?>
+<file path=ppt/slides/slide23.xml><?xml version="1.0" encoding="utf-8"?>
 <p:sld xmlns:a="http://schemas.openxmlformats.org/drawingml/2006/main" xmlns:r="http://schemas.openxmlformats.org/officeDocument/2006/relationships" xmlns:p="http://schemas.openxmlformats.org/presentationml/2006/main">
   <p:cSld>
     <p:spTree>
@@ -6886,7 +7007,7 @@
 </p:sld>
 </file>
 
-<file path=ppt/slides/slide23.xml><?xml version="1.0" encoding="utf-8"?>
+<file path=ppt/slides/slide24.xml><?xml version="1.0" encoding="utf-8"?>
 <p:sld xmlns:a="http://schemas.openxmlformats.org/drawingml/2006/main" xmlns:r="http://schemas.openxmlformats.org/officeDocument/2006/relationships" xmlns:p="http://schemas.openxmlformats.org/presentationml/2006/main">
   <p:cSld>
     <p:spTree>
@@ -6988,7 +7109,7 @@
 </p:sld>
 </file>
 
-<file path=ppt/slides/slide24.xml><?xml version="1.0" encoding="utf-8"?>
+<file path=ppt/slides/slide25.xml><?xml version="1.0" encoding="utf-8"?>
 <p:sld xmlns:a="http://schemas.openxmlformats.org/drawingml/2006/main" xmlns:r="http://schemas.openxmlformats.org/officeDocument/2006/relationships" xmlns:p="http://schemas.openxmlformats.org/presentationml/2006/main">
   <p:cSld>
     <p:spTree>
@@ -8008,7 +8129,7 @@
           <p:cNvPr id="2" name="Título 1">
             <a:extLst>
               <a:ext uri="{FF2B5EF4-FFF2-40B4-BE49-F238E27FC236}">
-                <a16:creationId xmlns:a16="http://schemas.microsoft.com/office/drawing/2014/main" id="{5EAE93E1-98DA-740D-46A8-10BD48A92A90}"/>
+                <a16:creationId xmlns:a16="http://schemas.microsoft.com/office/drawing/2014/main" id="{AAEB68BE-4BBC-ED3C-F6D8-685DDC00413D}"/>
               </a:ext>
             </a:extLst>
           </p:cNvPr>
@@ -8021,14 +8142,12 @@
         </p:nvSpPr>
         <p:spPr/>
         <p:txBody>
-          <a:bodyPr>
-            <a:normAutofit fontScale="90000"/>
-          </a:bodyPr>
+          <a:bodyPr/>
           <a:lstStyle/>
           <a:p>
             <a:r>
               <a:rPr lang="pt-BR" dirty="0"/>
-              <a:t>Motivação – Processo de Descoberta de Conhecimento em Bases de Dados</a:t>
+              <a:t>Motivação</a:t>
             </a:r>
           </a:p>
         </p:txBody>
@@ -8038,7 +8157,7 @@
           <p:cNvPr id="3" name="Espaço Reservado para Conteúdo 2">
             <a:extLst>
               <a:ext uri="{FF2B5EF4-FFF2-40B4-BE49-F238E27FC236}">
-                <a16:creationId xmlns:a16="http://schemas.microsoft.com/office/drawing/2014/main" id="{7AABF72A-963B-BED4-115A-EB4909E13B39}"/>
+                <a16:creationId xmlns:a16="http://schemas.microsoft.com/office/drawing/2014/main" id="{2BDD9209-B0FE-8407-F6A1-BD39C5B59B19}"/>
               </a:ext>
             </a:extLst>
           </p:cNvPr>
@@ -8054,50 +8173,35 @@
           <a:bodyPr/>
           <a:lstStyle/>
           <a:p>
+            <a:pPr marL="0" indent="0" algn="ctr">
+              <a:buNone/>
+            </a:pPr>
+            <a:r>
+              <a:rPr lang="pt-BR" dirty="0"/>
+              <a:t>Como a computação poderia ajudar nesse problema e em problemas semelhantes ?</a:t>
+            </a:r>
+          </a:p>
+          <a:p>
+            <a:pPr marL="0" indent="0">
+              <a:buNone/>
+            </a:pPr>
             <a:endParaRPr lang="pt-BR" dirty="0"/>
           </a:p>
-        </p:txBody>
-      </p:sp>
-      <p:pic>
-        <p:nvPicPr>
-          <p:cNvPr id="4" name="Espaço Reservado para Conteúdo 8" descr="Diagrama&#10;&#10;Descrição gerada automaticamente">
-            <a:extLst>
-              <a:ext uri="{FF2B5EF4-FFF2-40B4-BE49-F238E27FC236}">
-                <a16:creationId xmlns:a16="http://schemas.microsoft.com/office/drawing/2014/main" id="{A27BD645-F843-FB4D-2C25-F20835C7AFC8}"/>
-              </a:ext>
-            </a:extLst>
-          </p:cNvPr>
-          <p:cNvPicPr>
-            <a:picLocks noChangeAspect="1"/>
-          </p:cNvPicPr>
-          <p:nvPr/>
-        </p:nvPicPr>
-        <p:blipFill>
-          <a:blip r:embed="rId2">
-            <a:extLst>
-              <a:ext uri="{28A0092B-C50C-407E-A947-70E740481C1C}">
-                <a14:useLocalDpi xmlns:a14="http://schemas.microsoft.com/office/drawing/2010/main" val="0"/>
-              </a:ext>
-            </a:extLst>
-          </a:blip>
-          <a:stretch>
-            <a:fillRect/>
-          </a:stretch>
-        </p:blipFill>
-        <p:spPr>
-          <a:xfrm>
-            <a:off x="1562076" y="1825625"/>
-            <a:ext cx="8767904" cy="4108480"/>
-          </a:xfrm>
-          <a:prstGeom prst="rect">
-            <a:avLst/>
-          </a:prstGeom>
-        </p:spPr>
-      </p:pic>
+          <a:p>
+            <a:pPr marL="0" indent="0" algn="ctr">
+              <a:buNone/>
+            </a:pPr>
+            <a:r>
+              <a:rPr lang="pt-BR" dirty="0"/>
+              <a:t>Alocação de recursos financeiros para a recuperação das cidades afetadas</a:t>
+            </a:r>
+          </a:p>
+        </p:txBody>
+      </p:sp>
     </p:spTree>
     <p:extLst>
       <p:ext uri="{BB962C8B-B14F-4D97-AF65-F5344CB8AC3E}">
-        <p14:creationId xmlns:p14="http://schemas.microsoft.com/office/powerpoint/2010/main" val="4070359496"/>
+        <p14:creationId xmlns:p14="http://schemas.microsoft.com/office/powerpoint/2010/main" val="2346093143"/>
       </p:ext>
     </p:extLst>
   </p:cSld>
@@ -8129,7 +8233,7 @@
           <p:cNvPr id="2" name="Título 1">
             <a:extLst>
               <a:ext uri="{FF2B5EF4-FFF2-40B4-BE49-F238E27FC236}">
-                <a16:creationId xmlns:a16="http://schemas.microsoft.com/office/drawing/2014/main" id="{C3ED4AFC-6951-0A36-B056-0E6C4DA839A0}"/>
+                <a16:creationId xmlns:a16="http://schemas.microsoft.com/office/drawing/2014/main" id="{5EAE93E1-98DA-740D-46A8-10BD48A92A90}"/>
               </a:ext>
             </a:extLst>
           </p:cNvPr>
@@ -8142,12 +8246,14 @@
         </p:nvSpPr>
         <p:spPr/>
         <p:txBody>
-          <a:bodyPr/>
+          <a:bodyPr>
+            <a:normAutofit fontScale="90000"/>
+          </a:bodyPr>
           <a:lstStyle/>
           <a:p>
             <a:r>
               <a:rPr lang="pt-BR" dirty="0"/>
-              <a:t>Motivação – Mineração de Dados</a:t>
+              <a:t>Motivação – Processo de Descoberta de Conhecimento em Bases de Dados</a:t>
             </a:r>
           </a:p>
         </p:txBody>
@@ -8157,7 +8263,7 @@
           <p:cNvPr id="3" name="Espaço Reservado para Conteúdo 2">
             <a:extLst>
               <a:ext uri="{FF2B5EF4-FFF2-40B4-BE49-F238E27FC236}">
-                <a16:creationId xmlns:a16="http://schemas.microsoft.com/office/drawing/2014/main" id="{776ED0AC-B957-D223-7872-321CA7ECBDEE}"/>
+                <a16:creationId xmlns:a16="http://schemas.microsoft.com/office/drawing/2014/main" id="{7AABF72A-963B-BED4-115A-EB4909E13B39}"/>
               </a:ext>
             </a:extLst>
           </p:cNvPr>
@@ -8173,16 +8279,16 @@
           <a:bodyPr/>
           <a:lstStyle/>
           <a:p>
-            <a:endParaRPr lang="pt-BR"/>
+            <a:endParaRPr lang="pt-BR" dirty="0"/>
           </a:p>
         </p:txBody>
       </p:sp>
       <p:pic>
         <p:nvPicPr>
-          <p:cNvPr id="4" name="Espaço Reservado para Conteúdo 4" descr="Diagrama&#10;&#10;Descrição gerada automaticamente">
-            <a:extLst>
-              <a:ext uri="{FF2B5EF4-FFF2-40B4-BE49-F238E27FC236}">
-                <a16:creationId xmlns:a16="http://schemas.microsoft.com/office/drawing/2014/main" id="{122A44C6-50D3-64E4-6858-BE6DF011E9DD}"/>
+          <p:cNvPr id="4" name="Espaço Reservado para Conteúdo 8" descr="Diagrama&#10;&#10;Descrição gerada automaticamente">
+            <a:extLst>
+              <a:ext uri="{FF2B5EF4-FFF2-40B4-BE49-F238E27FC236}">
+                <a16:creationId xmlns:a16="http://schemas.microsoft.com/office/drawing/2014/main" id="{A27BD645-F843-FB4D-2C25-F20835C7AFC8}"/>
               </a:ext>
             </a:extLst>
           </p:cNvPr>
@@ -8205,8 +8311,8 @@
         </p:blipFill>
         <p:spPr>
           <a:xfrm>
-            <a:off x="2844924" y="1451036"/>
-            <a:ext cx="6098449" cy="4725927"/>
+            <a:off x="1562076" y="1825625"/>
+            <a:ext cx="8767904" cy="4108480"/>
           </a:xfrm>
           <a:prstGeom prst="rect">
             <a:avLst/>
@@ -8216,7 +8322,7 @@
     </p:spTree>
     <p:extLst>
       <p:ext uri="{BB962C8B-B14F-4D97-AF65-F5344CB8AC3E}">
-        <p14:creationId xmlns:p14="http://schemas.microsoft.com/office/powerpoint/2010/main" val="3941781064"/>
+        <p14:creationId xmlns:p14="http://schemas.microsoft.com/office/powerpoint/2010/main" val="4070359496"/>
       </p:ext>
     </p:extLst>
   </p:cSld>
